--- a/2. Contact Tracing/Network Graphing Tool.pptx
+++ b/2. Contact Tracing/Network Graphing Tool.pptx
@@ -727,6 +727,30 @@
       </pc:sldChg>
     </pc:docChg>
   </pc:docChgLst>
+  <pc:docChgLst>
+    <pc:chgData name="Ee Ann Ng" userId="b02a01e3e4ab3f43" providerId="LiveId" clId="{F8CDFBB1-4DB5-4DFF-A3A7-EFC39F2BA7F5}"/>
+    <pc:docChg chg="modSld">
+      <pc:chgData name="Ee Ann Ng" userId="b02a01e3e4ab3f43" providerId="LiveId" clId="{F8CDFBB1-4DB5-4DFF-A3A7-EFC39F2BA7F5}" dt="2022-02-26T04:20:11.208" v="10" actId="1076"/>
+      <pc:docMkLst>
+        <pc:docMk/>
+      </pc:docMkLst>
+      <pc:sldChg chg="modSp mod">
+        <pc:chgData name="Ee Ann Ng" userId="b02a01e3e4ab3f43" providerId="LiveId" clId="{F8CDFBB1-4DB5-4DFF-A3A7-EFC39F2BA7F5}" dt="2022-02-26T04:20:11.208" v="10" actId="1076"/>
+        <pc:sldMkLst>
+          <pc:docMk/>
+          <pc:sldMk cId="3113163406" sldId="263"/>
+        </pc:sldMkLst>
+        <pc:picChg chg="mod">
+          <ac:chgData name="Ee Ann Ng" userId="b02a01e3e4ab3f43" providerId="LiveId" clId="{F8CDFBB1-4DB5-4DFF-A3A7-EFC39F2BA7F5}" dt="2022-02-26T04:20:11.208" v="10" actId="1076"/>
+          <ac:picMkLst>
+            <pc:docMk/>
+            <pc:sldMk cId="3113163406" sldId="263"/>
+            <ac:picMk id="5" creationId="{B1B43CCF-44D1-4BE2-9152-E0406A85E520}"/>
+          </ac:picMkLst>
+        </pc:picChg>
+      </pc:sldChg>
+    </pc:docChg>
+  </pc:docChgLst>
 </pc:chgInfo>
 </file>
 
@@ -7002,8 +7026,8 @@
         </p:blipFill>
         <p:spPr>
           <a:xfrm>
-            <a:off x="1107936" y="1427283"/>
-            <a:ext cx="9259691" cy="4351338"/>
+            <a:off x="757413" y="1311632"/>
+            <a:ext cx="10515600" cy="4941518"/>
           </a:xfrm>
           <a:prstGeom prst="rect">
             <a:avLst/>
